--- a/Marijuana Use Presentation.pptx
+++ b/Marijuana Use Presentation.pptx
@@ -1392,7 +1392,7 @@
       <dgm:spPr/>
     </dgm:pt>
     <dgm:pt modelId="{1C6868B7-40A7-4581-B65B-B07F7BB62F37}" type="pres">
-      <dgm:prSet presAssocID="{2A642B16-0F24-4910-9C0E-A03DDE9E66FD}" presName="iconRect" presStyleLbl="node1" presStyleIdx="1" presStyleCnt="5" custScaleX="148785" custScaleY="148785" custLinFactY="161974" custLinFactNeighborX="27584" custLinFactNeighborY="200000"/>
+      <dgm:prSet presAssocID="{2A642B16-0F24-4910-9C0E-A03DDE9E66FD}" presName="iconRect" presStyleLbl="node1" presStyleIdx="1" presStyleCnt="5" custScaleX="148785" custScaleY="148785" custLinFactY="200000" custLinFactNeighborX="27584" custLinFactNeighborY="225132"/>
       <dgm:spPr>
         <a:blipFill>
           <a:blip xmlns:r="http://schemas.openxmlformats.org/officeDocument/2006/relationships" r:embed="rId3">
@@ -1491,7 +1491,7 @@
       <dgm:spPr/>
     </dgm:pt>
     <dgm:pt modelId="{2B06488A-0A74-4F4A-9E3C-434151683281}" type="pres">
-      <dgm:prSet presAssocID="{A84BB062-3AA7-4C13-8F8E-D1B7C7C054E5}" presName="iconRect" presStyleLbl="node1" presStyleIdx="3" presStyleCnt="5" custScaleX="155155" custScaleY="155155" custLinFactX="-100000" custLinFactNeighborX="-140048" custLinFactNeighborY="13366"/>
+      <dgm:prSet presAssocID="{A84BB062-3AA7-4C13-8F8E-D1B7C7C054E5}" presName="iconRect" presStyleLbl="node1" presStyleIdx="3" presStyleCnt="5" custScaleX="155155" custScaleY="155155" custLinFactX="-100000" custLinFactNeighborX="-140048" custLinFactNeighborY="86487"/>
       <dgm:spPr>
         <a:blipFill>
           <a:blip xmlns:r="http://schemas.openxmlformats.org/officeDocument/2006/relationships" r:embed="rId7">
@@ -1523,7 +1523,7 @@
       <dgm:spPr/>
     </dgm:pt>
     <dgm:pt modelId="{84FF3AD5-15EA-4865-BAED-F3C83557B9DA}" type="pres">
-      <dgm:prSet presAssocID="{A84BB062-3AA7-4C13-8F8E-D1B7C7C054E5}" presName="textRect" presStyleLbl="revTx" presStyleIdx="3" presStyleCnt="5" custScaleX="230213" custLinFactX="-4671" custLinFactNeighborX="-100000" custLinFactNeighborY="6494">
+      <dgm:prSet presAssocID="{A84BB062-3AA7-4C13-8F8E-D1B7C7C054E5}" presName="textRect" presStyleLbl="revTx" presStyleIdx="3" presStyleCnt="5" custScaleX="230213" custLinFactX="-4059" custLinFactNeighborX="-100000" custLinFactNeighborY="70979">
         <dgm:presLayoutVars>
           <dgm:chMax val="1"/>
           <dgm:chPref val="1"/>
@@ -1540,7 +1540,7 @@
       <dgm:spPr/>
     </dgm:pt>
     <dgm:pt modelId="{A146C675-6160-4DD2-9D83-E5950AFCA7C0}" type="pres">
-      <dgm:prSet presAssocID="{A21C5E9E-72FD-4B55-8D55-1A0038C75D4C}" presName="iconRect" presStyleLbl="node1" presStyleIdx="4" presStyleCnt="5" custScaleX="143886" custScaleY="143886" custLinFactX="100000" custLinFactNeighborX="183516" custLinFactNeighborY="8585"/>
+      <dgm:prSet presAssocID="{A21C5E9E-72FD-4B55-8D55-1A0038C75D4C}" presName="iconRect" presStyleLbl="node1" presStyleIdx="4" presStyleCnt="5" custScaleX="143886" custScaleY="143886" custLinFactX="100000" custLinFactNeighborX="183516" custLinFactNeighborY="81706"/>
       <dgm:spPr>
         <a:blipFill>
           <a:blip xmlns:r="http://schemas.openxmlformats.org/officeDocument/2006/relationships" r:embed="rId9">
@@ -1572,7 +1572,7 @@
       <dgm:spPr/>
     </dgm:pt>
     <dgm:pt modelId="{2FD691BD-E3CA-474F-8770-5F18BE3307B0}" type="pres">
-      <dgm:prSet presAssocID="{A21C5E9E-72FD-4B55-8D55-1A0038C75D4C}" presName="textRect" presStyleLbl="revTx" presStyleIdx="4" presStyleCnt="5" custScaleX="222693" custLinFactNeighborX="-91870" custLinFactNeighborY="8978">
+      <dgm:prSet presAssocID="{A21C5E9E-72FD-4B55-8D55-1A0038C75D4C}" presName="textRect" presStyleLbl="revTx" presStyleIdx="4" presStyleCnt="5" custScaleX="222693" custLinFactNeighborX="-91870" custLinFactNeighborY="73463">
         <dgm:presLayoutVars>
           <dgm:chMax val="1"/>
           <dgm:chPref val="1"/>
@@ -1796,7 +1796,7 @@
       </dsp:nvSpPr>
       <dsp:spPr>
         <a:xfrm>
-          <a:off x="5221537" y="3090364"/>
+          <a:off x="5221537" y="3532501"/>
           <a:ext cx="1041567" cy="1041567"/>
         </a:xfrm>
         <a:prstGeom prst="rect">
@@ -2059,7 +2059,7 @@
       </dsp:nvSpPr>
       <dsp:spPr>
         <a:xfrm>
-          <a:off x="1185940" y="3034365"/>
+          <a:off x="1185940" y="3546248"/>
           <a:ext cx="1086160" cy="1086160"/>
         </a:xfrm>
         <a:prstGeom prst="rect">
@@ -2108,7 +2108,7 @@
       </dsp:nvSpPr>
       <dsp:spPr>
         <a:xfrm>
-          <a:off x="0" y="4216350"/>
+          <a:off x="0" y="4721170"/>
           <a:ext cx="3581340" cy="793804"/>
         </a:xfrm>
         <a:prstGeom prst="rect">
@@ -2157,7 +2157,7 @@
         </a:p>
       </dsp:txBody>
       <dsp:txXfrm>
-        <a:off x="0" y="4216350"/>
+        <a:off x="0" y="4721170"/>
         <a:ext cx="3581340" cy="793804"/>
       </dsp:txXfrm>
     </dsp:sp>
@@ -2168,7 +2168,7 @@
       </dsp:nvSpPr>
       <dsp:spPr>
         <a:xfrm>
-          <a:off x="8685677" y="3020618"/>
+          <a:off x="8685677" y="3532501"/>
           <a:ext cx="1007272" cy="1007272"/>
         </a:xfrm>
         <a:prstGeom prst="rect">
@@ -2217,7 +2217,7 @@
       </dsp:nvSpPr>
       <dsp:spPr>
         <a:xfrm>
-          <a:off x="4043197" y="4216346"/>
+          <a:off x="4043197" y="4721170"/>
           <a:ext cx="3464354" cy="793804"/>
         </a:xfrm>
         <a:prstGeom prst="rect">
@@ -2266,7 +2266,7 @@
         </a:p>
       </dsp:txBody>
       <dsp:txXfrm>
-        <a:off x="4043197" y="4216346"/>
+        <a:off x="4043197" y="4721170"/>
         <a:ext cx="3464354" cy="793804"/>
       </dsp:txXfrm>
     </dsp:sp>
@@ -7285,8 +7285,8 @@
         </p:nvSpPr>
         <p:spPr>
           <a:xfrm>
-            <a:off x="1915385" y="4632554"/>
-            <a:ext cx="2720769" cy="1701571"/>
+            <a:off x="1915385" y="4552655"/>
+            <a:ext cx="2922945" cy="2123353"/>
           </a:xfrm>
         </p:spPr>
         <p:txBody>
@@ -7297,40 +7297,40 @@
           <a:p>
             <a:pPr algn="l"/>
             <a:r>
-              <a:rPr lang="en-US" sz="2400" dirty="0"/>
+              <a:rPr lang="en-US" sz="2800" dirty="0"/>
               <a:t>Fred </a:t>
             </a:r>
             <a:r>
-              <a:rPr lang="en-US" sz="2400" dirty="0" err="1"/>
+              <a:rPr lang="en-US" sz="2800" dirty="0" err="1"/>
               <a:t>Castrow</a:t>
             </a:r>
-            <a:endParaRPr lang="en-US" sz="2400" dirty="0"/>
+            <a:endParaRPr lang="en-US" sz="2800" dirty="0"/>
           </a:p>
           <a:p>
             <a:pPr algn="l"/>
             <a:r>
-              <a:rPr lang="en-US" sz="2400" dirty="0"/>
+              <a:rPr lang="en-US" sz="2800" dirty="0"/>
               <a:t>Zach Steele</a:t>
             </a:r>
           </a:p>
           <a:p>
             <a:pPr algn="l"/>
             <a:r>
-              <a:rPr lang="en-US" sz="2400" dirty="0"/>
+              <a:rPr lang="en-US" sz="2800" dirty="0"/>
               <a:t>Devon Firestone</a:t>
             </a:r>
           </a:p>
           <a:p>
             <a:pPr algn="l"/>
             <a:r>
-              <a:rPr lang="en-US" sz="2400" dirty="0"/>
+              <a:rPr lang="en-US" sz="2800" dirty="0"/>
               <a:t>Mustafa </a:t>
             </a:r>
             <a:r>
-              <a:rPr lang="en-US" sz="2400" dirty="0" err="1"/>
+              <a:rPr lang="en-US" sz="2800" dirty="0" err="1"/>
               <a:t>Ancin</a:t>
             </a:r>
-            <a:endParaRPr lang="en-US" sz="2400" dirty="0"/>
+            <a:endParaRPr lang="en-US" sz="2800" dirty="0"/>
           </a:p>
         </p:txBody>
       </p:sp>
@@ -7366,10 +7366,10 @@
       </p:grpSpPr>
       <p:pic>
         <p:nvPicPr>
-          <p:cNvPr id="9" name="Picture 8" descr="A close up of a map&#10;&#10;Description automatically generated">
+          <p:cNvPr id="2" name="Picture 1">
             <a:extLst>
               <a:ext uri="{FF2B5EF4-FFF2-40B4-BE49-F238E27FC236}">
-                <a16:creationId xmlns:a16="http://schemas.microsoft.com/office/drawing/2014/main" id="{35147838-88F3-4F65-8BDF-D487EA8B9118}"/>
+                <a16:creationId xmlns:a16="http://schemas.microsoft.com/office/drawing/2014/main" id="{FC7F85C1-93FA-4A07-8799-61C2DDBB1046}"/>
               </a:ext>
             </a:extLst>
           </p:cNvPr>
@@ -7379,21 +7379,15 @@
           <p:nvPr/>
         </p:nvPicPr>
         <p:blipFill>
-          <a:blip r:embed="rId2">
-            <a:extLst>
-              <a:ext uri="{28A0092B-C50C-407E-A947-70E740481C1C}">
-                <a14:useLocalDpi xmlns:a14="http://schemas.microsoft.com/office/drawing/2010/main" val="0"/>
-              </a:ext>
-            </a:extLst>
-          </a:blip>
+          <a:blip r:embed="rId2"/>
           <a:stretch>
             <a:fillRect/>
           </a:stretch>
         </p:blipFill>
         <p:spPr>
           <a:xfrm>
-            <a:off x="0" y="381000"/>
-            <a:ext cx="12192000" cy="6096000"/>
+            <a:off x="1028700" y="704850"/>
+            <a:ext cx="10896600" cy="5448300"/>
           </a:xfrm>
           <a:prstGeom prst="rect">
             <a:avLst/>
@@ -7432,10 +7426,10 @@
       </p:grpSpPr>
       <p:pic>
         <p:nvPicPr>
-          <p:cNvPr id="9" name="Picture 8" descr="A close up of a map&#10;&#10;Description automatically generated">
+          <p:cNvPr id="2" name="Picture 1">
             <a:extLst>
               <a:ext uri="{FF2B5EF4-FFF2-40B4-BE49-F238E27FC236}">
-                <a16:creationId xmlns:a16="http://schemas.microsoft.com/office/drawing/2014/main" id="{29F25441-83DF-468A-9DC0-D4E6EFF0C423}"/>
+                <a16:creationId xmlns:a16="http://schemas.microsoft.com/office/drawing/2014/main" id="{C3607144-1016-45AB-BB5D-780B57344457}"/>
               </a:ext>
             </a:extLst>
           </p:cNvPr>
@@ -7445,21 +7439,15 @@
           <p:nvPr/>
         </p:nvPicPr>
         <p:blipFill>
-          <a:blip r:embed="rId2">
-            <a:extLst>
-              <a:ext uri="{28A0092B-C50C-407E-A947-70E740481C1C}">
-                <a14:useLocalDpi xmlns:a14="http://schemas.microsoft.com/office/drawing/2010/main" val="0"/>
-              </a:ext>
-            </a:extLst>
-          </a:blip>
+          <a:blip r:embed="rId2"/>
           <a:stretch>
             <a:fillRect/>
           </a:stretch>
         </p:blipFill>
         <p:spPr>
           <a:xfrm>
-            <a:off x="0" y="381000"/>
-            <a:ext cx="12192000" cy="6096000"/>
+            <a:off x="985421" y="701336"/>
+            <a:ext cx="10910656" cy="5455328"/>
           </a:xfrm>
           <a:prstGeom prst="rect">
             <a:avLst/>
@@ -7498,10 +7486,10 @@
       </p:grpSpPr>
       <p:pic>
         <p:nvPicPr>
-          <p:cNvPr id="7" name="Picture 6" descr="A close up of a map&#10;&#10;Description automatically generated">
+          <p:cNvPr id="2" name="Picture 1">
             <a:extLst>
               <a:ext uri="{FF2B5EF4-FFF2-40B4-BE49-F238E27FC236}">
-                <a16:creationId xmlns:a16="http://schemas.microsoft.com/office/drawing/2014/main" id="{AD7C0411-36F3-4CA4-A4C3-CB44F974F598}"/>
+                <a16:creationId xmlns:a16="http://schemas.microsoft.com/office/drawing/2014/main" id="{BF522A25-D6CC-42BC-9EAA-2B16FB7AB45E}"/>
               </a:ext>
             </a:extLst>
           </p:cNvPr>
@@ -7511,21 +7499,15 @@
           <p:nvPr/>
         </p:nvPicPr>
         <p:blipFill>
-          <a:blip r:embed="rId2">
-            <a:extLst>
-              <a:ext uri="{28A0092B-C50C-407E-A947-70E740481C1C}">
-                <a14:useLocalDpi xmlns:a14="http://schemas.microsoft.com/office/drawing/2010/main" val="0"/>
-              </a:ext>
-            </a:extLst>
-          </a:blip>
+          <a:blip r:embed="rId2"/>
           <a:stretch>
             <a:fillRect/>
           </a:stretch>
         </p:blipFill>
         <p:spPr>
           <a:xfrm>
-            <a:off x="0" y="381000"/>
-            <a:ext cx="12192000" cy="6096000"/>
+            <a:off x="941033" y="676182"/>
+            <a:ext cx="11011270" cy="5505635"/>
           </a:xfrm>
           <a:prstGeom prst="rect">
             <a:avLst/>
@@ -7564,10 +7546,10 @@
       </p:grpSpPr>
       <p:sp>
         <p:nvSpPr>
-          <p:cNvPr id="2" name="Title 1">
+          <p:cNvPr id="6" name="Content Placeholder 5">
             <a:extLst>
               <a:ext uri="{FF2B5EF4-FFF2-40B4-BE49-F238E27FC236}">
-                <a16:creationId xmlns:a16="http://schemas.microsoft.com/office/drawing/2014/main" id="{2A2F1B7B-6468-4933-910C-1E4028D148F3}"/>
+                <a16:creationId xmlns:a16="http://schemas.microsoft.com/office/drawing/2014/main" id="{437FA64C-F652-45A9-965F-ECB399FF775F}"/>
               </a:ext>
             </a:extLst>
           </p:cNvPr>
@@ -7575,7 +7557,7 @@
             <a:spLocks noGrp="1"/>
           </p:cNvSpPr>
           <p:nvPr>
-            <p:ph type="title"/>
+            <p:ph idx="1"/>
           </p:nvPr>
         </p:nvSpPr>
         <p:spPr/>
@@ -7583,43 +7565,38 @@
           <a:bodyPr/>
           <a:lstStyle/>
           <a:p>
-            <a:endParaRPr lang="en-US" dirty="0"/>
+            <a:endParaRPr lang="en-US"/>
           </a:p>
         </p:txBody>
       </p:sp>
       <p:pic>
         <p:nvPicPr>
-          <p:cNvPr id="5" name="Content Placeholder 4" descr="A close up of a map&#10;&#10;Description automatically generated">
+          <p:cNvPr id="7" name="Picture 6">
             <a:extLst>
               <a:ext uri="{FF2B5EF4-FFF2-40B4-BE49-F238E27FC236}">
-                <a16:creationId xmlns:a16="http://schemas.microsoft.com/office/drawing/2014/main" id="{4FFD4ADB-3049-42E9-A84B-3230BBEA0130}"/>
+                <a16:creationId xmlns:a16="http://schemas.microsoft.com/office/drawing/2014/main" id="{BADC07ED-9E76-41B2-9FAC-C12E70445924}"/>
               </a:ext>
             </a:extLst>
           </p:cNvPr>
           <p:cNvPicPr>
-            <a:picLocks noGrp="1" noChangeAspect="1"/>
+            <a:picLocks noChangeAspect="1"/>
           </p:cNvPicPr>
-          <p:nvPr>
-            <p:ph idx="1"/>
-          </p:nvPr>
+          <p:nvPr/>
         </p:nvPicPr>
         <p:blipFill>
-          <a:blip r:embed="rId2">
-            <a:extLst>
-              <a:ext uri="{28A0092B-C50C-407E-A947-70E740481C1C}">
-                <a14:useLocalDpi xmlns:a14="http://schemas.microsoft.com/office/drawing/2010/main" val="0"/>
-              </a:ext>
-            </a:extLst>
-          </a:blip>
+          <a:blip r:embed="rId2"/>
           <a:stretch>
             <a:fillRect/>
           </a:stretch>
         </p:blipFill>
         <p:spPr>
           <a:xfrm>
-            <a:off x="1809750" y="1590675"/>
-            <a:ext cx="9163050" cy="4581525"/>
+            <a:off x="1040535" y="726211"/>
+            <a:ext cx="10811153" cy="5405577"/>
           </a:xfrm>
+          <a:prstGeom prst="rect">
+            <a:avLst/>
+          </a:prstGeom>
         </p:spPr>
       </p:pic>
       <p:sp>
@@ -7636,7 +7613,7 @@
         </p:nvSpPr>
         <p:spPr>
           <a:xfrm>
-            <a:off x="3095626" y="1695450"/>
+            <a:off x="3193281" y="952108"/>
             <a:ext cx="7000874" cy="369332"/>
           </a:xfrm>
           <a:prstGeom prst="rect">
@@ -7715,8 +7692,8 @@
         </p:blipFill>
         <p:spPr>
           <a:xfrm>
-            <a:off x="1524000" y="1143000"/>
-            <a:ext cx="9144000" cy="4572000"/>
+            <a:off x="1020932" y="713196"/>
+            <a:ext cx="10863215" cy="5431608"/>
           </a:xfrm>
           <a:prstGeom prst="rect">
             <a:avLst/>
@@ -7737,7 +7714,7 @@
         </p:nvSpPr>
         <p:spPr>
           <a:xfrm>
-            <a:off x="3629025" y="1238250"/>
+            <a:off x="3595039" y="1007432"/>
             <a:ext cx="5715000" cy="369332"/>
           </a:xfrm>
           <a:prstGeom prst="rect">
@@ -7869,18 +7846,18 @@
         </p:nvSpPr>
         <p:spPr>
           <a:xfrm>
-            <a:off x="1371600" y="685800"/>
-            <a:ext cx="9601200" cy="1485900"/>
+            <a:off x="1055429" y="347242"/>
+            <a:ext cx="9601200" cy="570610"/>
           </a:xfrm>
         </p:spPr>
         <p:txBody>
           <a:bodyPr vert="horz" lIns="91440" tIns="45720" rIns="91440" bIns="45720" rtlCol="0" anchor="t">
-            <a:normAutofit/>
+            <a:normAutofit fontScale="90000"/>
           </a:bodyPr>
           <a:lstStyle/>
           <a:p>
             <a:r>
-              <a:rPr lang="en-US"/>
+              <a:rPr lang="en-US" sz="3600" dirty="0"/>
               <a:t>Conclusions: </a:t>
             </a:r>
           </a:p>
@@ -7902,13 +7879,13 @@
             <p:ph sz="half" idx="1"/>
             <p:extLst>
               <p:ext uri="{D42A27DB-BD31-4B8C-83A1-F6EECF244321}">
-                <p14:modId xmlns:p14="http://schemas.microsoft.com/office/powerpoint/2010/main" val="3248919176"/>
+                <p14:modId xmlns:p14="http://schemas.microsoft.com/office/powerpoint/2010/main" val="26945694"/>
               </p:ext>
             </p:extLst>
           </p:nvPr>
         </p:nvGraphicFramePr>
         <p:xfrm>
-          <a:off x="1055429" y="1162050"/>
+          <a:off x="1055429" y="632547"/>
           <a:ext cx="10555545" cy="5514975"/>
         </p:xfrm>
         <a:graphic>
@@ -7948,7 +7925,7 @@
         </p:blipFill>
         <p:spPr>
           <a:xfrm>
-            <a:off x="6172200" y="1650447"/>
+            <a:off x="6096000" y="1203157"/>
             <a:ext cx="1042506" cy="1042506"/>
           </a:xfrm>
           <a:prstGeom prst="rect">
@@ -8102,12 +8079,15 @@
               <a:buAutoNum type="arabicPeriod"/>
             </a:pPr>
             <a:r>
-              <a:rPr lang="en-US" sz="2400" dirty="0"/>
+              <a:rPr lang="en-US" sz="2400" i="0" dirty="0"/>
               <a:t>Rates of marijuana use before and after legalization.</a:t>
             </a:r>
           </a:p>
           <a:p>
-            <a:pPr lvl="2"/>
+            <a:pPr lvl="2">
+              <a:buFont typeface="Arial" panose="020B0604020202020204" pitchFamily="34" charset="0"/>
+              <a:buChar char="•"/>
+            </a:pPr>
             <a:r>
               <a:rPr lang="en-US" sz="2000" dirty="0"/>
               <a:t>Compared to Texas and the United States</a:t>
@@ -8119,12 +8099,15 @@
               <a:buAutoNum type="arabicPeriod"/>
             </a:pPr>
             <a:r>
-              <a:rPr lang="en-US" sz="2400" dirty="0"/>
+              <a:rPr lang="en-US" sz="2400" i="0" dirty="0"/>
               <a:t>Rates of other substance use before and after legalization. </a:t>
             </a:r>
           </a:p>
           <a:p>
-            <a:pPr lvl="2"/>
+            <a:pPr lvl="2">
+              <a:buFont typeface="Arial" panose="020B0604020202020204" pitchFamily="34" charset="0"/>
+              <a:buChar char="•"/>
+            </a:pPr>
             <a:r>
               <a:rPr lang="en-US" sz="2000" dirty="0"/>
               <a:t>Compared to Texas and the United States</a:t>
@@ -8136,7 +8119,7 @@
               <a:buAutoNum type="arabicPeriod"/>
             </a:pPr>
             <a:r>
-              <a:rPr lang="en-US" sz="2400" dirty="0"/>
+              <a:rPr lang="en-US" sz="2400" i="0" dirty="0"/>
               <a:t>Rates of mental health issues before and after legalization.</a:t>
             </a:r>
           </a:p>
@@ -8146,7 +8129,7 @@
               <a:buAutoNum type="arabicPeriod"/>
             </a:pPr>
             <a:r>
-              <a:rPr lang="en-US" sz="2400" dirty="0"/>
+              <a:rPr lang="en-US" sz="2400" i="0" dirty="0"/>
               <a:t>Rates of crime/incarceration before and after legalization. </a:t>
             </a:r>
           </a:p>
@@ -8619,10 +8602,10 @@
       </p:grpSpPr>
       <p:pic>
         <p:nvPicPr>
-          <p:cNvPr id="3" name="Picture 2" descr="A close up of a map&#10;&#10;Description automatically generated">
+          <p:cNvPr id="4" name="Picture 3" descr="A close up of a map&#10;&#10;Description automatically generated">
             <a:extLst>
               <a:ext uri="{FF2B5EF4-FFF2-40B4-BE49-F238E27FC236}">
-                <a16:creationId xmlns:a16="http://schemas.microsoft.com/office/drawing/2014/main" id="{15D38BDF-A83A-4177-8D47-F81CA798512F}"/>
+                <a16:creationId xmlns:a16="http://schemas.microsoft.com/office/drawing/2014/main" id="{90239021-1664-4835-9BE9-1CFE94F40E00}"/>
               </a:ext>
             </a:extLst>
           </p:cNvPr>
@@ -8645,8 +8628,8 @@
         </p:blipFill>
         <p:spPr>
           <a:xfrm>
-            <a:off x="937149" y="681037"/>
-            <a:ext cx="10991850" cy="5495925"/>
+            <a:off x="981075" y="684528"/>
+            <a:ext cx="10977885" cy="5488943"/>
           </a:xfrm>
           <a:prstGeom prst="rect">
             <a:avLst/>
@@ -8685,10 +8668,10 @@
       </p:grpSpPr>
       <p:pic>
         <p:nvPicPr>
-          <p:cNvPr id="7" name="Picture 6" descr="A close up of a map&#10;&#10;Description automatically generated">
+          <p:cNvPr id="2" name="Picture 1">
             <a:extLst>
               <a:ext uri="{FF2B5EF4-FFF2-40B4-BE49-F238E27FC236}">
-                <a16:creationId xmlns:a16="http://schemas.microsoft.com/office/drawing/2014/main" id="{D3FA62FF-3931-4C46-950A-22DAA4BEF3A1}"/>
+                <a16:creationId xmlns:a16="http://schemas.microsoft.com/office/drawing/2014/main" id="{C71CAEC4-0612-4F01-B3C9-93200EBF3225}"/>
               </a:ext>
             </a:extLst>
           </p:cNvPr>
@@ -8698,21 +8681,15 @@
           <p:nvPr/>
         </p:nvPicPr>
         <p:blipFill>
-          <a:blip r:embed="rId2">
-            <a:extLst>
-              <a:ext uri="{28A0092B-C50C-407E-A947-70E740481C1C}">
-                <a14:useLocalDpi xmlns:a14="http://schemas.microsoft.com/office/drawing/2010/main" val="0"/>
-              </a:ext>
-            </a:extLst>
-          </a:blip>
+          <a:blip r:embed="rId2"/>
           <a:stretch>
             <a:fillRect/>
           </a:stretch>
         </p:blipFill>
         <p:spPr>
           <a:xfrm>
-            <a:off x="885825" y="681037"/>
-            <a:ext cx="10991850" cy="5495925"/>
+            <a:off x="933450" y="688181"/>
+            <a:ext cx="10963274" cy="5481637"/>
           </a:xfrm>
           <a:prstGeom prst="rect">
             <a:avLst/>
@@ -8751,10 +8728,10 @@
       </p:grpSpPr>
       <p:pic>
         <p:nvPicPr>
-          <p:cNvPr id="9" name="Picture 8" descr="A picture containing stationary&#10;&#10;Description automatically generated">
+          <p:cNvPr id="2" name="Picture 1">
             <a:extLst>
               <a:ext uri="{FF2B5EF4-FFF2-40B4-BE49-F238E27FC236}">
-                <a16:creationId xmlns:a16="http://schemas.microsoft.com/office/drawing/2014/main" id="{824E3916-0042-4792-98CA-63C596F9AFB7}"/>
+                <a16:creationId xmlns:a16="http://schemas.microsoft.com/office/drawing/2014/main" id="{0A924EB6-BFE8-474B-A104-B6A6EB2F801E}"/>
               </a:ext>
             </a:extLst>
           </p:cNvPr>
@@ -8764,21 +8741,15 @@
           <p:nvPr/>
         </p:nvPicPr>
         <p:blipFill>
-          <a:blip r:embed="rId2">
-            <a:extLst>
-              <a:ext uri="{28A0092B-C50C-407E-A947-70E740481C1C}">
-                <a14:useLocalDpi xmlns:a14="http://schemas.microsoft.com/office/drawing/2010/main" val="0"/>
-              </a:ext>
-            </a:extLst>
-          </a:blip>
+          <a:blip r:embed="rId2"/>
           <a:stretch>
             <a:fillRect/>
           </a:stretch>
         </p:blipFill>
         <p:spPr>
           <a:xfrm>
-            <a:off x="933449" y="683418"/>
-            <a:ext cx="10982325" cy="5491163"/>
+            <a:off x="904875" y="681037"/>
+            <a:ext cx="10991849" cy="5495925"/>
           </a:xfrm>
           <a:prstGeom prst="rect">
             <a:avLst/>
@@ -8817,10 +8788,10 @@
       </p:grpSpPr>
       <p:pic>
         <p:nvPicPr>
-          <p:cNvPr id="6" name="Picture 5" descr="A close up of a logo&#10;&#10;Description automatically generated">
+          <p:cNvPr id="2" name="Picture 1">
             <a:extLst>
               <a:ext uri="{FF2B5EF4-FFF2-40B4-BE49-F238E27FC236}">
-                <a16:creationId xmlns:a16="http://schemas.microsoft.com/office/drawing/2014/main" id="{8FE80FA2-DADD-48ED-A7A3-30C38E25BC15}"/>
+                <a16:creationId xmlns:a16="http://schemas.microsoft.com/office/drawing/2014/main" id="{86CBA622-BD5F-4FF4-A59E-BCE0BC49DBBB}"/>
               </a:ext>
             </a:extLst>
           </p:cNvPr>
@@ -8830,21 +8801,15 @@
           <p:nvPr/>
         </p:nvPicPr>
         <p:blipFill>
-          <a:blip r:embed="rId2">
-            <a:extLst>
-              <a:ext uri="{28A0092B-C50C-407E-A947-70E740481C1C}">
-                <a14:useLocalDpi xmlns:a14="http://schemas.microsoft.com/office/drawing/2010/main" val="0"/>
-              </a:ext>
-            </a:extLst>
-          </a:blip>
+          <a:blip r:embed="rId2"/>
           <a:stretch>
             <a:fillRect/>
           </a:stretch>
         </p:blipFill>
         <p:spPr>
           <a:xfrm>
-            <a:off x="1011823" y="707774"/>
-            <a:ext cx="10884902" cy="5442451"/>
+            <a:off x="904875" y="681037"/>
+            <a:ext cx="10991850" cy="5495925"/>
           </a:xfrm>
           <a:prstGeom prst="rect">
             <a:avLst/>
@@ -8883,10 +8848,10 @@
       </p:grpSpPr>
       <p:pic>
         <p:nvPicPr>
-          <p:cNvPr id="9" name="Picture 8" descr="A screenshot of a cell phone&#10;&#10;Description automatically generated">
+          <p:cNvPr id="2" name="Picture 1">
             <a:extLst>
               <a:ext uri="{FF2B5EF4-FFF2-40B4-BE49-F238E27FC236}">
-                <a16:creationId xmlns:a16="http://schemas.microsoft.com/office/drawing/2014/main" id="{88A1C658-EFED-4E78-A3F3-E5BF5561978C}"/>
+                <a16:creationId xmlns:a16="http://schemas.microsoft.com/office/drawing/2014/main" id="{73596419-F7D9-46A5-AC00-FFFADC587A35}"/>
               </a:ext>
             </a:extLst>
           </p:cNvPr>
@@ -8896,21 +8861,15 @@
           <p:nvPr/>
         </p:nvPicPr>
         <p:blipFill>
-          <a:blip r:embed="rId2">
-            <a:extLst>
-              <a:ext uri="{28A0092B-C50C-407E-A947-70E740481C1C}">
-                <a14:useLocalDpi xmlns:a14="http://schemas.microsoft.com/office/drawing/2010/main" val="0"/>
-              </a:ext>
-            </a:extLst>
-          </a:blip>
+          <a:blip r:embed="rId2"/>
           <a:stretch>
             <a:fillRect/>
           </a:stretch>
         </p:blipFill>
         <p:spPr>
           <a:xfrm>
-            <a:off x="0" y="381000"/>
-            <a:ext cx="12192000" cy="6096000"/>
+            <a:off x="990600" y="709612"/>
+            <a:ext cx="10877550" cy="5438775"/>
           </a:xfrm>
           <a:prstGeom prst="rect">
             <a:avLst/>
@@ -8949,10 +8908,10 @@
       </p:grpSpPr>
       <p:pic>
         <p:nvPicPr>
-          <p:cNvPr id="9" name="Picture 8" descr="A screenshot of a cell phone&#10;&#10;Description automatically generated">
+          <p:cNvPr id="2" name="Picture 1">
             <a:extLst>
               <a:ext uri="{FF2B5EF4-FFF2-40B4-BE49-F238E27FC236}">
-                <a16:creationId xmlns:a16="http://schemas.microsoft.com/office/drawing/2014/main" id="{D7FDC881-6BE0-440F-AA19-9E4C1940F56F}"/>
+                <a16:creationId xmlns:a16="http://schemas.microsoft.com/office/drawing/2014/main" id="{457BCA3A-31AC-4014-A5E4-6AE13210A1AD}"/>
               </a:ext>
             </a:extLst>
           </p:cNvPr>
@@ -8962,21 +8921,15 @@
           <p:nvPr/>
         </p:nvPicPr>
         <p:blipFill>
-          <a:blip r:embed="rId2">
-            <a:extLst>
-              <a:ext uri="{28A0092B-C50C-407E-A947-70E740481C1C}">
-                <a14:useLocalDpi xmlns:a14="http://schemas.microsoft.com/office/drawing/2010/main" val="0"/>
-              </a:ext>
-            </a:extLst>
-          </a:blip>
+          <a:blip r:embed="rId2"/>
           <a:stretch>
             <a:fillRect/>
           </a:stretch>
         </p:blipFill>
         <p:spPr>
           <a:xfrm>
-            <a:off x="0" y="381000"/>
-            <a:ext cx="12192000" cy="6096000"/>
+            <a:off x="942975" y="681037"/>
+            <a:ext cx="10991850" cy="5495925"/>
           </a:xfrm>
           <a:prstGeom prst="rect">
             <a:avLst/>

--- a/Marijuana Use Presentation.pptx
+++ b/Marijuana Use Presentation.pptx
@@ -8728,10 +8728,10 @@
       </p:grpSpPr>
       <p:pic>
         <p:nvPicPr>
-          <p:cNvPr id="2" name="Picture 1">
+          <p:cNvPr id="6" name="Picture 5" descr="A close up of a map&#10;&#10;Description automatically generated">
             <a:extLst>
               <a:ext uri="{FF2B5EF4-FFF2-40B4-BE49-F238E27FC236}">
-                <a16:creationId xmlns:a16="http://schemas.microsoft.com/office/drawing/2014/main" id="{0A924EB6-BFE8-474B-A104-B6A6EB2F801E}"/>
+                <a16:creationId xmlns:a16="http://schemas.microsoft.com/office/drawing/2014/main" id="{19FFE1FB-846F-4087-A9BF-4AC4AB541581}"/>
               </a:ext>
             </a:extLst>
           </p:cNvPr>
@@ -8741,15 +8741,21 @@
           <p:nvPr/>
         </p:nvPicPr>
         <p:blipFill>
-          <a:blip r:embed="rId2"/>
+          <a:blip r:embed="rId2">
+            <a:extLst>
+              <a:ext uri="{28A0092B-C50C-407E-A947-70E740481C1C}">
+                <a14:useLocalDpi xmlns:a14="http://schemas.microsoft.com/office/drawing/2010/main" val="0"/>
+              </a:ext>
+            </a:extLst>
+          </a:blip>
           <a:stretch>
             <a:fillRect/>
           </a:stretch>
         </p:blipFill>
         <p:spPr>
           <a:xfrm>
-            <a:off x="904875" y="681037"/>
-            <a:ext cx="10991849" cy="5495925"/>
+            <a:off x="790575" y="619125"/>
+            <a:ext cx="11239500" cy="5619750"/>
           </a:xfrm>
           <a:prstGeom prst="rect">
             <a:avLst/>

--- a/Marijuana Use Presentation.pptx
+++ b/Marijuana Use Presentation.pptx
@@ -1230,7 +1230,7 @@
         <a:p>
           <a:r>
             <a:rPr lang="en-US" sz="2000" dirty="0"/>
-            <a:t>No affect on other substance use after legalization. </a:t>
+            <a:t>No affect on other substance use or mental health issues after legalization. </a:t>
           </a:r>
         </a:p>
       </dgm:t>
@@ -2043,7 +2043,7 @@
           </a:pPr>
           <a:r>
             <a:rPr lang="en-US" sz="2000" kern="1200" dirty="0"/>
-            <a:t>No affect on other substance use after legalization. </a:t>
+            <a:t>No affect on other substance use or mental health issues after legalization. </a:t>
           </a:r>
         </a:p>
       </dsp:txBody>
@@ -7879,7 +7879,7 @@
             <p:ph sz="half" idx="1"/>
             <p:extLst>
               <p:ext uri="{D42A27DB-BD31-4B8C-83A1-F6EECF244321}">
-                <p14:modId xmlns:p14="http://schemas.microsoft.com/office/powerpoint/2010/main" val="26945694"/>
+                <p14:modId xmlns:p14="http://schemas.microsoft.com/office/powerpoint/2010/main" val="528702744"/>
               </p:ext>
             </p:extLst>
           </p:nvPr>

--- a/Marijuana Use Presentation.pptx
+++ b/Marijuana Use Presentation.pptx
@@ -7569,71 +7569,92 @@
           </a:p>
         </p:txBody>
       </p:sp>
-      <p:pic>
-        <p:nvPicPr>
-          <p:cNvPr id="7" name="Picture 6">
+      <p:grpSp>
+        <p:nvGrpSpPr>
+          <p:cNvPr id="2" name="Group 1">
             <a:extLst>
               <a:ext uri="{FF2B5EF4-FFF2-40B4-BE49-F238E27FC236}">
-                <a16:creationId xmlns:a16="http://schemas.microsoft.com/office/drawing/2014/main" id="{BADC07ED-9E76-41B2-9FAC-C12E70445924}"/>
+                <a16:creationId xmlns:a16="http://schemas.microsoft.com/office/drawing/2014/main" id="{94CC85EF-A96D-45C4-9EA7-930709FF945B}"/>
               </a:ext>
             </a:extLst>
           </p:cNvPr>
-          <p:cNvPicPr>
-            <a:picLocks noChangeAspect="1"/>
-          </p:cNvPicPr>
+          <p:cNvGrpSpPr/>
           <p:nvPr/>
-        </p:nvPicPr>
-        <p:blipFill>
-          <a:blip r:embed="rId2"/>
-          <a:stretch>
-            <a:fillRect/>
-          </a:stretch>
-        </p:blipFill>
-        <p:spPr>
+        </p:nvGrpSpPr>
+        <p:grpSpPr>
           <a:xfrm>
             <a:off x="1040535" y="726211"/>
             <a:ext cx="10811153" cy="5405577"/>
+            <a:chOff x="1040535" y="726211"/>
+            <a:chExt cx="10811153" cy="5405577"/>
           </a:xfrm>
-          <a:prstGeom prst="rect">
-            <a:avLst/>
-          </a:prstGeom>
-        </p:spPr>
-      </p:pic>
-      <p:sp>
-        <p:nvSpPr>
-          <p:cNvPr id="3" name="TextBox 2">
-            <a:extLst>
-              <a:ext uri="{FF2B5EF4-FFF2-40B4-BE49-F238E27FC236}">
-                <a16:creationId xmlns:a16="http://schemas.microsoft.com/office/drawing/2014/main" id="{5DFD3472-44E7-4DA5-87FA-E5DC1F2BC560}"/>
-              </a:ext>
-            </a:extLst>
-          </p:cNvPr>
-          <p:cNvSpPr txBox="1"/>
-          <p:nvPr/>
-        </p:nvSpPr>
-        <p:spPr>
-          <a:xfrm>
-            <a:off x="3193281" y="952108"/>
-            <a:ext cx="7000874" cy="369332"/>
-          </a:xfrm>
-          <a:prstGeom prst="rect">
-            <a:avLst/>
-          </a:prstGeom>
-          <a:noFill/>
-        </p:spPr>
-        <p:txBody>
-          <a:bodyPr wrap="square" rtlCol="0">
-            <a:spAutoFit/>
-          </a:bodyPr>
-          <a:lstStyle/>
-          <a:p>
-            <a:r>
-              <a:rPr lang="en-US" dirty="0"/>
-              <a:t>Prisoner Count per Capita in CO After the Legalization of Marijuana</a:t>
-            </a:r>
-          </a:p>
-        </p:txBody>
-      </p:sp>
+        </p:grpSpPr>
+        <p:pic>
+          <p:nvPicPr>
+            <p:cNvPr id="7" name="Picture 6">
+              <a:extLst>
+                <a:ext uri="{FF2B5EF4-FFF2-40B4-BE49-F238E27FC236}">
+                  <a16:creationId xmlns:a16="http://schemas.microsoft.com/office/drawing/2014/main" id="{BADC07ED-9E76-41B2-9FAC-C12E70445924}"/>
+                </a:ext>
+              </a:extLst>
+            </p:cNvPr>
+            <p:cNvPicPr>
+              <a:picLocks noChangeAspect="1"/>
+            </p:cNvPicPr>
+            <p:nvPr/>
+          </p:nvPicPr>
+          <p:blipFill>
+            <a:blip r:embed="rId2"/>
+            <a:stretch>
+              <a:fillRect/>
+            </a:stretch>
+          </p:blipFill>
+          <p:spPr>
+            <a:xfrm>
+              <a:off x="1040535" y="726211"/>
+              <a:ext cx="10811153" cy="5405577"/>
+            </a:xfrm>
+            <a:prstGeom prst="rect">
+              <a:avLst/>
+            </a:prstGeom>
+          </p:spPr>
+        </p:pic>
+        <p:sp>
+          <p:nvSpPr>
+            <p:cNvPr id="3" name="TextBox 2">
+              <a:extLst>
+                <a:ext uri="{FF2B5EF4-FFF2-40B4-BE49-F238E27FC236}">
+                  <a16:creationId xmlns:a16="http://schemas.microsoft.com/office/drawing/2014/main" id="{5DFD3472-44E7-4DA5-87FA-E5DC1F2BC560}"/>
+                </a:ext>
+              </a:extLst>
+            </p:cNvPr>
+            <p:cNvSpPr txBox="1"/>
+            <p:nvPr/>
+          </p:nvSpPr>
+          <p:spPr>
+            <a:xfrm>
+              <a:off x="3193281" y="952108"/>
+              <a:ext cx="7000874" cy="369332"/>
+            </a:xfrm>
+            <a:prstGeom prst="rect">
+              <a:avLst/>
+            </a:prstGeom>
+            <a:noFill/>
+          </p:spPr>
+          <p:txBody>
+            <a:bodyPr wrap="square" rtlCol="0">
+              <a:spAutoFit/>
+            </a:bodyPr>
+            <a:lstStyle/>
+            <a:p>
+              <a:r>
+                <a:rPr lang="en-US" dirty="0"/>
+                <a:t>Prisoner Count per Capita in CO After the Legalization of Marijuana</a:t>
+              </a:r>
+            </a:p>
+          </p:txBody>
+        </p:sp>
+      </p:grpSp>
     </p:spTree>
     <p:extLst>
       <p:ext uri="{BB962C8B-B14F-4D97-AF65-F5344CB8AC3E}">
@@ -7664,77 +7685,134 @@
           <a:chExt cx="0" cy="0"/>
         </a:xfrm>
       </p:grpSpPr>
-      <p:pic>
-        <p:nvPicPr>
-          <p:cNvPr id="3" name="Picture 2" descr="A close up of a map&#10;&#10;Description automatically generated">
+      <p:grpSp>
+        <p:nvGrpSpPr>
+          <p:cNvPr id="6" name="Group 5">
             <a:extLst>
               <a:ext uri="{FF2B5EF4-FFF2-40B4-BE49-F238E27FC236}">
-                <a16:creationId xmlns:a16="http://schemas.microsoft.com/office/drawing/2014/main" id="{0526D5D4-D0E8-45AB-AA03-E80F33C4846F}"/>
+                <a16:creationId xmlns:a16="http://schemas.microsoft.com/office/drawing/2014/main" id="{430EB88C-B355-414B-8B4D-A9D88B8EAA25}"/>
               </a:ext>
             </a:extLst>
           </p:cNvPr>
-          <p:cNvPicPr>
-            <a:picLocks noChangeAspect="1"/>
-          </p:cNvPicPr>
+          <p:cNvGrpSpPr/>
           <p:nvPr/>
-        </p:nvPicPr>
-        <p:blipFill>
-          <a:blip r:embed="rId2">
-            <a:extLst>
-              <a:ext uri="{28A0092B-C50C-407E-A947-70E740481C1C}">
-                <a14:useLocalDpi xmlns:a14="http://schemas.microsoft.com/office/drawing/2010/main" val="0"/>
-              </a:ext>
-            </a:extLst>
-          </a:blip>
-          <a:stretch>
-            <a:fillRect/>
-          </a:stretch>
-        </p:blipFill>
-        <p:spPr>
+        </p:nvGrpSpPr>
+        <p:grpSpPr>
           <a:xfrm>
             <a:off x="1020932" y="713196"/>
             <a:ext cx="10863215" cy="5431608"/>
+            <a:chOff x="1020932" y="713196"/>
+            <a:chExt cx="10863215" cy="5431608"/>
           </a:xfrm>
-          <a:prstGeom prst="rect">
-            <a:avLst/>
-          </a:prstGeom>
-        </p:spPr>
-      </p:pic>
-      <p:sp>
-        <p:nvSpPr>
-          <p:cNvPr id="2" name="TextBox 1">
-            <a:extLst>
-              <a:ext uri="{FF2B5EF4-FFF2-40B4-BE49-F238E27FC236}">
-                <a16:creationId xmlns:a16="http://schemas.microsoft.com/office/drawing/2014/main" id="{3C87A08B-54A8-40D6-A1AD-7C269FB7255C}"/>
-              </a:ext>
-            </a:extLst>
-          </p:cNvPr>
-          <p:cNvSpPr txBox="1"/>
-          <p:nvPr/>
-        </p:nvSpPr>
-        <p:spPr>
-          <a:xfrm>
-            <a:off x="3595039" y="1007432"/>
-            <a:ext cx="5715000" cy="369332"/>
-          </a:xfrm>
-          <a:prstGeom prst="rect">
-            <a:avLst/>
-          </a:prstGeom>
-          <a:noFill/>
-        </p:spPr>
-        <p:txBody>
-          <a:bodyPr wrap="square" rtlCol="0">
-            <a:spAutoFit/>
-          </a:bodyPr>
-          <a:lstStyle/>
-          <a:p>
-            <a:r>
-              <a:rPr lang="en-US" dirty="0"/>
-              <a:t>Comparison of Prisoner Per Capita Between TX and CO</a:t>
-            </a:r>
-          </a:p>
-        </p:txBody>
-      </p:sp>
+        </p:grpSpPr>
+        <p:pic>
+          <p:nvPicPr>
+            <p:cNvPr id="3" name="Picture 2" descr="A close up of a map&#10;&#10;Description automatically generated">
+              <a:extLst>
+                <a:ext uri="{FF2B5EF4-FFF2-40B4-BE49-F238E27FC236}">
+                  <a16:creationId xmlns:a16="http://schemas.microsoft.com/office/drawing/2014/main" id="{0526D5D4-D0E8-45AB-AA03-E80F33C4846F}"/>
+                </a:ext>
+              </a:extLst>
+            </p:cNvPr>
+            <p:cNvPicPr>
+              <a:picLocks noChangeAspect="1"/>
+            </p:cNvPicPr>
+            <p:nvPr/>
+          </p:nvPicPr>
+          <p:blipFill>
+            <a:blip r:embed="rId2">
+              <a:extLst>
+                <a:ext uri="{28A0092B-C50C-407E-A947-70E740481C1C}">
+                  <a14:useLocalDpi xmlns:a14="http://schemas.microsoft.com/office/drawing/2010/main" val="0"/>
+                </a:ext>
+              </a:extLst>
+            </a:blip>
+            <a:stretch>
+              <a:fillRect/>
+            </a:stretch>
+          </p:blipFill>
+          <p:spPr>
+            <a:xfrm>
+              <a:off x="1020932" y="713196"/>
+              <a:ext cx="10863215" cy="5431608"/>
+            </a:xfrm>
+            <a:prstGeom prst="rect">
+              <a:avLst/>
+            </a:prstGeom>
+          </p:spPr>
+        </p:pic>
+        <p:sp>
+          <p:nvSpPr>
+            <p:cNvPr id="2" name="TextBox 1">
+              <a:extLst>
+                <a:ext uri="{FF2B5EF4-FFF2-40B4-BE49-F238E27FC236}">
+                  <a16:creationId xmlns:a16="http://schemas.microsoft.com/office/drawing/2014/main" id="{3C87A08B-54A8-40D6-A1AD-7C269FB7255C}"/>
+                </a:ext>
+              </a:extLst>
+            </p:cNvPr>
+            <p:cNvSpPr txBox="1"/>
+            <p:nvPr/>
+          </p:nvSpPr>
+          <p:spPr>
+            <a:xfrm>
+              <a:off x="3595039" y="1007432"/>
+              <a:ext cx="5715000" cy="369332"/>
+            </a:xfrm>
+            <a:prstGeom prst="rect">
+              <a:avLst/>
+            </a:prstGeom>
+            <a:noFill/>
+          </p:spPr>
+          <p:txBody>
+            <a:bodyPr wrap="square" rtlCol="0">
+              <a:spAutoFit/>
+            </a:bodyPr>
+            <a:lstStyle/>
+            <a:p>
+              <a:r>
+                <a:rPr lang="en-US" dirty="0"/>
+                <a:t>Comparison of Prisoner Per Capita Between TX and CO</a:t>
+              </a:r>
+            </a:p>
+          </p:txBody>
+        </p:sp>
+        <p:cxnSp>
+          <p:nvCxnSpPr>
+            <p:cNvPr id="5" name="Straight Connector 4">
+              <a:extLst>
+                <a:ext uri="{FF2B5EF4-FFF2-40B4-BE49-F238E27FC236}">
+                  <a16:creationId xmlns:a16="http://schemas.microsoft.com/office/drawing/2014/main" id="{830781C9-4F46-4702-92FF-2A0628A62865}"/>
+                </a:ext>
+              </a:extLst>
+            </p:cNvPr>
+            <p:cNvCxnSpPr/>
+            <p:nvPr/>
+          </p:nvCxnSpPr>
+          <p:spPr>
+            <a:xfrm>
+              <a:off x="8558073" y="1582444"/>
+              <a:ext cx="0" cy="3835153"/>
+            </a:xfrm>
+            <a:prstGeom prst="line">
+              <a:avLst/>
+            </a:prstGeom>
+          </p:spPr>
+          <p:style>
+            <a:lnRef idx="2">
+              <a:schemeClr val="dk1"/>
+            </a:lnRef>
+            <a:fillRef idx="0">
+              <a:schemeClr val="dk1"/>
+            </a:fillRef>
+            <a:effectRef idx="1">
+              <a:schemeClr val="dk1"/>
+            </a:effectRef>
+            <a:fontRef idx="minor">
+              <a:schemeClr val="tx1"/>
+            </a:fontRef>
+          </p:style>
+        </p:cxnSp>
+      </p:grpSp>
     </p:spTree>
     <p:extLst>
       <p:ext uri="{BB962C8B-B14F-4D97-AF65-F5344CB8AC3E}">
